--- a/QSTEP-SQL-Masterclass.pptx
+++ b/QSTEP-SQL-Masterclass.pptx
@@ -217,7 +217,7 @@
           <a:p>
             <a:fld id="{D49AD634-B286-CF4C-B608-BAEDD7C846A9}" type="datetimeFigureOut">
               <a:rPr lang="en-US" smtClean="0"/>
-              <a:t>11/30/20</a:t>
+              <a:t>11/25/21</a:t>
             </a:fld>
             <a:endParaRPr lang="en-US"/>
           </a:p>
@@ -2031,7 +2031,7 @@
         </p:blipFill>
         <p:spPr>
           <a:xfrm>
-            <a:off x="2" y="0"/>
+            <a:off x="0" y="2"/>
             <a:ext cx="9143657" cy="5143498"/>
           </a:xfrm>
           <a:prstGeom prst="rect">
@@ -2049,7 +2049,7 @@
         </p:nvSpPr>
         <p:spPr>
           <a:xfrm>
-            <a:off x="603504" y="2304338"/>
+            <a:off x="603504" y="1904231"/>
             <a:ext cx="5965738" cy="1123928"/>
           </a:xfrm>
           <a:prstGeom prst="rect">
@@ -2107,8 +2107,8 @@
         </p:nvSpPr>
         <p:spPr>
           <a:xfrm>
-            <a:off x="603504" y="3655605"/>
-            <a:ext cx="6858000" cy="334280"/>
+            <a:off x="603504" y="3241142"/>
+            <a:ext cx="6858000" cy="661943"/>
           </a:xfrm>
           <a:prstGeom prst="rect">
             <a:avLst/>
@@ -2296,7 +2296,29 @@
                 </a:solidFill>
                 <a:latin typeface="+mn-lt"/>
               </a:rPr>
-              <a:t>James Tripp, Senior Academic Technologist, CIM (Warwick)</a:t>
+              <a:t>Dr James Tripp, Senior Research Software Engineer </a:t>
+            </a:r>
+          </a:p>
+          <a:p>
+            <a:r>
+              <a:rPr lang="en-US" sz="1600" dirty="0">
+                <a:solidFill>
+                  <a:srgbClr val="511C6C"/>
+                </a:solidFill>
+                <a:latin typeface="+mn-lt"/>
+              </a:rPr>
+              <a:t>IDG Technology for Research</a:t>
+            </a:r>
+          </a:p>
+          <a:p>
+            <a:r>
+              <a:rPr lang="en-US" sz="1600" dirty="0">
+                <a:solidFill>
+                  <a:srgbClr val="511C6C"/>
+                </a:solidFill>
+                <a:latin typeface="+mn-lt"/>
+              </a:rPr>
+              <a:t>Information and Digital Group (Warwick)</a:t>
             </a:r>
           </a:p>
         </p:txBody>
@@ -2488,7 +2510,7 @@
           </a:lstStyle>
           <a:p>
             <a:r>
-              <a:rPr lang="en-US" sz="1500" b="0" i="0" dirty="0">
+              <a:rPr lang="en-US" sz="1500" dirty="0">
                 <a:solidFill>
                   <a:srgbClr val="511C6C"/>
                 </a:solidFill>
@@ -2496,10 +2518,10 @@
                 <a:ea typeface="Avenir Next" charset="0"/>
                 <a:cs typeface="Avenir Next" charset="0"/>
               </a:rPr>
-              <a:t>1</a:t>
-            </a:r>
-            <a:r>
-              <a:rPr lang="en-US" sz="1500" b="0" i="0" baseline="30000" dirty="0">
+              <a:t>25</a:t>
+            </a:r>
+            <a:r>
+              <a:rPr lang="en-US" sz="1500" baseline="30000" dirty="0">
                 <a:solidFill>
                   <a:srgbClr val="511C6C"/>
                 </a:solidFill>
@@ -2507,7 +2529,7 @@
                 <a:ea typeface="Avenir Next" charset="0"/>
                 <a:cs typeface="Avenir Next" charset="0"/>
               </a:rPr>
-              <a:t>st</a:t>
+              <a:t>th</a:t>
             </a:r>
             <a:r>
               <a:rPr lang="en-US" sz="1500" b="0" i="0" dirty="0">
@@ -2529,7 +2551,7 @@
                 <a:ea typeface="Avenir Next" charset="0"/>
                 <a:cs typeface="Avenir Next" charset="0"/>
               </a:rPr>
-              <a:t> 2020/ Microsoft Teams</a:t>
+              <a:t> 2021/ Microsoft Teams</a:t>
             </a:r>
             <a:endParaRPr lang="en-US" sz="1500" b="0" i="0" dirty="0">
               <a:solidFill>
@@ -2787,29 +2809,23 @@
           <a:p>
             <a:r>
               <a:rPr lang="en-US" sz="1400" dirty="0"/>
-              <a:t>Background in Psychology (BSc, PhD)</a:t>
-            </a:r>
-          </a:p>
-          <a:p>
-            <a:r>
-              <a:rPr lang="en-US" sz="1400" dirty="0">
+              <a:t>Background in Psychology (BSc, PhD), then as a Senior Academic Technologist in the Centre for Interdisciplinary Methodologies (CIM, Warwick)</a:t>
+            </a:r>
+          </a:p>
+          <a:p>
+            <a:r>
+              <a:rPr lang="en-US" sz="1400" dirty="0"/>
+              <a:t>Just started as a Senior Research Software Engineer at IDG Technology for Research (</a:t>
+            </a:r>
+            <a:r>
+              <a:rPr lang="en-US" sz="1200" b="0" dirty="0">
                 <a:hlinkClick r:id="rId2"/>
               </a:rPr>
-              <a:t>Senior Academic Technologist </a:t>
-            </a:r>
-            <a:r>
-              <a:rPr lang="en-US" sz="1400" dirty="0"/>
-              <a:t>at </a:t>
-            </a:r>
-            <a:r>
-              <a:rPr lang="en-US" sz="1400" dirty="0">
-                <a:hlinkClick r:id="rId3"/>
-              </a:rPr>
-              <a:t>CIM</a:t>
-            </a:r>
-            <a:r>
-              <a:rPr lang="en-US" sz="1400" dirty="0"/>
-              <a:t> (Centre for Interdisciplinary Methodologies)</a:t>
+              <a:t>Research software engineers in Warwick’s Information and Digital Group</a:t>
+            </a:r>
+            <a:r>
+              <a:rPr lang="en-US" sz="1200" b="0" dirty="0"/>
+              <a:t>)</a:t>
             </a:r>
           </a:p>
           <a:p>

--- a/QSTEP-SQL-Masterclass.pptx
+++ b/QSTEP-SQL-Masterclass.pptx
@@ -217,7 +217,7 @@
           <a:p>
             <a:fld id="{D49AD634-B286-CF4C-B608-BAEDD7C846A9}" type="datetimeFigureOut">
               <a:rPr lang="en-US" smtClean="0"/>
-              <a:t>11/25/21</a:t>
+              <a:t>2/1/2023</a:t>
             </a:fld>
             <a:endParaRPr lang="en-US"/>
           </a:p>
@@ -2510,28 +2510,6 @@
           </a:lstStyle>
           <a:p>
             <a:r>
-              <a:rPr lang="en-US" sz="1500" dirty="0">
-                <a:solidFill>
-                  <a:srgbClr val="511C6C"/>
-                </a:solidFill>
-                <a:latin typeface="+mn-lt"/>
-                <a:ea typeface="Avenir Next" charset="0"/>
-                <a:cs typeface="Avenir Next" charset="0"/>
-              </a:rPr>
-              <a:t>25</a:t>
-            </a:r>
-            <a:r>
-              <a:rPr lang="en-US" sz="1500" baseline="30000" dirty="0">
-                <a:solidFill>
-                  <a:srgbClr val="511C6C"/>
-                </a:solidFill>
-                <a:latin typeface="+mn-lt"/>
-                <a:ea typeface="Avenir Next" charset="0"/>
-                <a:cs typeface="Avenir Next" charset="0"/>
-              </a:rPr>
-              <a:t>th</a:t>
-            </a:r>
-            <a:r>
               <a:rPr lang="en-US" sz="1500" b="0" i="0" dirty="0">
                 <a:solidFill>
                   <a:srgbClr val="511C6C"/>
@@ -2540,7 +2518,29 @@
                 <a:ea typeface="Avenir Next" charset="0"/>
                 <a:cs typeface="Avenir Next" charset="0"/>
               </a:rPr>
-              <a:t> December</a:t>
+              <a:t>2</a:t>
+            </a:r>
+            <a:r>
+              <a:rPr lang="en-US" sz="1500" b="0" i="0" baseline="30000" dirty="0">
+                <a:solidFill>
+                  <a:srgbClr val="511C6C"/>
+                </a:solidFill>
+                <a:latin typeface="+mn-lt"/>
+                <a:ea typeface="Avenir Next" charset="0"/>
+                <a:cs typeface="Avenir Next" charset="0"/>
+              </a:rPr>
+              <a:t>nd</a:t>
+            </a:r>
+            <a:r>
+              <a:rPr lang="en-US" sz="1500" b="0" i="0" dirty="0">
+                <a:solidFill>
+                  <a:srgbClr val="511C6C"/>
+                </a:solidFill>
+                <a:latin typeface="+mn-lt"/>
+                <a:ea typeface="Avenir Next" charset="0"/>
+                <a:cs typeface="Avenir Next" charset="0"/>
+              </a:rPr>
+              <a:t> February 2023</a:t>
             </a:r>
             <a:r>
               <a:rPr lang="en-US" sz="1500" b="0" i="0" baseline="0" dirty="0">
@@ -2551,7 +2551,7 @@
                 <a:ea typeface="Avenir Next" charset="0"/>
                 <a:cs typeface="Avenir Next" charset="0"/>
               </a:rPr>
-              <a:t> 2021/ Microsoft Teams</a:t>
+              <a:t>/ Microsoft Teams</a:t>
             </a:r>
             <a:endParaRPr lang="en-US" sz="1500" b="0" i="0" dirty="0">
               <a:solidFill>
@@ -2815,7 +2815,7 @@
           <a:p>
             <a:r>
               <a:rPr lang="en-US" sz="1400" dirty="0"/>
-              <a:t>Just started as a Senior Research Software Engineer at IDG Technology for Research (</a:t>
+              <a:t>A Senior Research Software Engineer at IDG Technology for Research (</a:t>
             </a:r>
             <a:r>
               <a:rPr lang="en-US" sz="1200" b="0" dirty="0">
